--- a/정규동아리 활동 20210824.pptx
+++ b/정규동아리 활동 20210824.pptx
@@ -108,6 +108,11 @@
       </a:defRPr>
     </a:lvl9pPr>
   </p:defaultTextStyle>
+  <p:extLst>
+    <p:ext uri="{EFAFB233-063F-42B5-8137-9DF3F51BA10A}">
+      <p15:sldGuideLst xmlns:p15="http://schemas.microsoft.com/office/powerpoint/2012/main"/>
+    </p:ext>
+  </p:extLst>
 </p:presentation>
 </file>
 
@@ -3953,6 +3958,13 @@
   <p:clrMapOvr>
     <a:masterClrMapping/>
   </p:clrMapOvr>
+  <p:timing>
+    <p:tnLst>
+      <p:par>
+        <p:cTn id="1" dur="indefinite" restart="never" nodeType="tmRoot"/>
+      </p:par>
+    </p:tnLst>
+  </p:timing>
 </p:sld>
 </file>
 
@@ -4022,12 +4034,688 @@
             <p:ph idx="1"/>
           </p:nvPr>
         </p:nvSpPr>
-        <p:spPr/>
-        <p:txBody>
-          <a:bodyPr/>
-          <a:lstStyle/>
-          <a:p>
-            <a:endParaRPr lang="ko-KR" altLang="en-US" dirty="0"/>
+        <p:spPr>
+          <a:xfrm>
+            <a:off x="838200" y="1816100"/>
+            <a:ext cx="10515600" cy="4351338"/>
+          </a:xfrm>
+        </p:spPr>
+        <p:txBody>
+          <a:bodyPr>
+            <a:noAutofit/>
+          </a:bodyPr>
+          <a:lstStyle/>
+          <a:p>
+            <a:r>
+              <a:rPr lang="en-US" altLang="ko-KR" sz="1600" dirty="0" smtClean="0"/>
+              <a:t>3</a:t>
+            </a:r>
+            <a:r>
+              <a:rPr lang="ko-KR" altLang="en-US" sz="1600" dirty="0" smtClean="0"/>
+              <a:t>학년 </a:t>
+            </a:r>
+            <a:endParaRPr lang="en-US" altLang="ko-KR" sz="1600" dirty="0" smtClean="0"/>
+          </a:p>
+          <a:p>
+            <a:pPr marL="0" indent="0">
+              <a:buNone/>
+            </a:pPr>
+            <a:r>
+              <a:rPr lang="en-US" altLang="ko-KR" sz="1600" dirty="0" smtClean="0"/>
+              <a:t>  </a:t>
+            </a:r>
+            <a:r>
+              <a:rPr lang="ko-KR" altLang="en-US" sz="1600" dirty="0" err="1" smtClean="0"/>
+              <a:t>목승훈</a:t>
+            </a:r>
+            <a:r>
+              <a:rPr lang="en-US" altLang="ko-KR" sz="1600" dirty="0" smtClean="0"/>
+              <a:t>,</a:t>
+            </a:r>
+            <a:r>
+              <a:rPr lang="ko-KR" altLang="en-US" sz="1600" dirty="0" err="1" smtClean="0"/>
+              <a:t>함승호</a:t>
+            </a:r>
+            <a:r>
+              <a:rPr lang="ko-KR" altLang="en-US" sz="1600" dirty="0" smtClean="0"/>
+              <a:t> </a:t>
+            </a:r>
+            <a:r>
+              <a:rPr lang="en-US" altLang="ko-KR" sz="1600" dirty="0" smtClean="0"/>
+              <a:t>non Light</a:t>
+            </a:r>
+          </a:p>
+          <a:p>
+            <a:pPr marL="0" indent="0">
+              <a:buNone/>
+            </a:pPr>
+            <a:r>
+              <a:rPr lang="en-US" altLang="ko-KR" sz="1600" dirty="0" smtClean="0"/>
+              <a:t>  </a:t>
+            </a:r>
+            <a:r>
+              <a:rPr lang="ko-KR" altLang="en-US" sz="1600" dirty="0" smtClean="0"/>
+              <a:t>이도현 </a:t>
+            </a:r>
+            <a:r>
+              <a:rPr lang="ko-KR" altLang="en-US" sz="1600" dirty="0" err="1" smtClean="0"/>
+              <a:t>피자게임</a:t>
+            </a:r>
+            <a:r>
+              <a:rPr lang="ko-KR" altLang="en-US" sz="1600" dirty="0" smtClean="0"/>
+              <a:t> </a:t>
+            </a:r>
+            <a:r>
+              <a:rPr lang="en-US" altLang="ko-KR" sz="1600" dirty="0" smtClean="0"/>
+              <a:t>, D3Dx</a:t>
+            </a:r>
+            <a:r>
+              <a:rPr lang="ko-KR" altLang="en-US" sz="1600" dirty="0" err="1" smtClean="0"/>
+              <a:t>물고기게임</a:t>
+            </a:r>
+            <a:r>
+              <a:rPr lang="ko-KR" altLang="en-US" sz="1600" dirty="0" smtClean="0"/>
+              <a:t> </a:t>
+            </a:r>
+            <a:endParaRPr lang="en-US" altLang="ko-KR" sz="1600" dirty="0" smtClean="0"/>
+          </a:p>
+          <a:p>
+            <a:pPr marL="0" indent="0">
+              <a:buNone/>
+            </a:pPr>
+            <a:r>
+              <a:rPr lang="en-US" altLang="ko-KR" sz="1600" dirty="0"/>
+              <a:t> </a:t>
+            </a:r>
+            <a:r>
+              <a:rPr lang="en-US" altLang="ko-KR" sz="1600" dirty="0" smtClean="0"/>
+              <a:t>  </a:t>
+            </a:r>
+            <a:r>
+              <a:rPr lang="en-US" altLang="ko-KR" sz="1600" dirty="0" err="1" smtClean="0"/>
+              <a:t>Gigdc</a:t>
+            </a:r>
+            <a:r>
+              <a:rPr lang="en-US" altLang="ko-KR" sz="1600" dirty="0" smtClean="0"/>
+              <a:t> (</a:t>
+            </a:r>
+            <a:r>
+              <a:rPr lang="ko-KR" altLang="en-US" sz="1600" dirty="0" err="1" smtClean="0"/>
+              <a:t>목승훈</a:t>
+            </a:r>
+            <a:endParaRPr lang="en-US" altLang="ko-KR" sz="1600" dirty="0" smtClean="0"/>
+          </a:p>
+          <a:p>
+            <a:pPr marL="0" indent="0">
+              <a:buNone/>
+            </a:pPr>
+            <a:r>
+              <a:rPr lang="ko-KR" altLang="en-US" sz="1600" dirty="0" smtClean="0"/>
+              <a:t>선생님 죽이는 슈팅게임 </a:t>
+            </a:r>
+            <a:r>
+              <a:rPr lang="en-US" altLang="ko-KR" sz="1600" dirty="0"/>
+              <a:t>(</a:t>
+            </a:r>
+            <a:r>
+              <a:rPr lang="ko-KR" altLang="en-US" sz="1600" dirty="0" err="1" smtClean="0"/>
+              <a:t>목승훈</a:t>
+            </a:r>
+            <a:endParaRPr lang="en-US" altLang="ko-KR" sz="1600" dirty="0" smtClean="0"/>
+          </a:p>
+          <a:p>
+            <a:pPr marL="0" indent="0">
+              <a:buNone/>
+            </a:pPr>
+            <a:r>
+              <a:rPr lang="en-US" altLang="ko-KR" sz="1600" dirty="0"/>
+              <a:t>  </a:t>
+            </a:r>
+            <a:r>
+              <a:rPr lang="ko-KR" altLang="en-US" sz="1600" dirty="0" err="1" smtClean="0"/>
+              <a:t>스텍</a:t>
+            </a:r>
+            <a:r>
+              <a:rPr lang="ko-KR" altLang="en-US" sz="1600" dirty="0" smtClean="0"/>
+              <a:t> </a:t>
+            </a:r>
+            <a:r>
+              <a:rPr lang="ko-KR" altLang="en-US" sz="1600" dirty="0" err="1" smtClean="0"/>
+              <a:t>함승호</a:t>
+            </a:r>
+            <a:endParaRPr lang="en-US" altLang="ko-KR" sz="1600" dirty="0" smtClean="0"/>
+          </a:p>
+          <a:p>
+            <a:pPr marL="0" indent="0">
+              <a:buNone/>
+            </a:pPr>
+            <a:endParaRPr lang="en-US" altLang="ko-KR" sz="1600" dirty="0"/>
+          </a:p>
+          <a:p>
+            <a:pPr marL="0" indent="0">
+              <a:buNone/>
+            </a:pPr>
+            <a:r>
+              <a:rPr lang="en-US" altLang="ko-KR" sz="1600" dirty="0" smtClean="0"/>
+              <a:t>2</a:t>
+            </a:r>
+            <a:r>
+              <a:rPr lang="ko-KR" altLang="en-US" sz="1600" dirty="0" smtClean="0"/>
+              <a:t>학년</a:t>
+            </a:r>
+            <a:endParaRPr lang="en-US" altLang="ko-KR" sz="1600" dirty="0" smtClean="0"/>
+          </a:p>
+          <a:p>
+            <a:pPr marL="0" indent="0">
+              <a:buNone/>
+            </a:pPr>
+            <a:r>
+              <a:rPr lang="en-US" altLang="ko-KR" sz="1600" dirty="0"/>
+              <a:t> </a:t>
+            </a:r>
+            <a:r>
+              <a:rPr lang="ko-KR" altLang="en-US" sz="1600" dirty="0" err="1" smtClean="0"/>
+              <a:t>스텍</a:t>
+            </a:r>
+            <a:r>
+              <a:rPr lang="ko-KR" altLang="en-US" sz="1600" dirty="0" smtClean="0"/>
+              <a:t> 게임 두개(진서</a:t>
+            </a:r>
+            <a:r>
+              <a:rPr lang="en-US" altLang="ko-KR" sz="1600" dirty="0" smtClean="0"/>
+              <a:t>,</a:t>
+            </a:r>
+            <a:r>
+              <a:rPr lang="ko-KR" altLang="en-US" sz="1600" dirty="0" smtClean="0"/>
+              <a:t>유영</a:t>
+            </a:r>
+            <a:r>
+              <a:rPr lang="en-US" altLang="ko-KR" sz="1600" dirty="0" smtClean="0"/>
+              <a:t>)</a:t>
+            </a:r>
+          </a:p>
+          <a:p>
+            <a:pPr marL="0" indent="0">
+              <a:buNone/>
+            </a:pPr>
+            <a:r>
+              <a:rPr lang="en-US" altLang="ko-KR" sz="1600" dirty="0"/>
+              <a:t> </a:t>
+            </a:r>
+            <a:r>
+              <a:rPr lang="en-US" altLang="ko-KR" sz="1600" dirty="0" err="1" smtClean="0"/>
+              <a:t>gigdc</a:t>
+            </a:r>
+            <a:r>
+              <a:rPr lang="en-US" altLang="ko-KR" sz="1600" dirty="0" smtClean="0"/>
+              <a:t> </a:t>
+            </a:r>
+            <a:r>
+              <a:rPr lang="ko-KR" altLang="en-US" sz="1600" dirty="0" smtClean="0"/>
+              <a:t>진서 </a:t>
+            </a:r>
+            <a:r>
+              <a:rPr lang="en-US" altLang="ko-KR" sz="1600" dirty="0" smtClean="0"/>
+              <a:t>,</a:t>
+            </a:r>
+            <a:r>
+              <a:rPr lang="ko-KR" altLang="en-US" sz="1600" dirty="0" smtClean="0"/>
+              <a:t>남호</a:t>
+            </a:r>
+            <a:endParaRPr lang="en-US" altLang="ko-KR" sz="1600" dirty="0" smtClean="0"/>
+          </a:p>
+          <a:p>
+            <a:pPr marL="0" indent="0">
+              <a:buNone/>
+            </a:pPr>
+            <a:r>
+              <a:rPr lang="en-US" altLang="ko-KR" sz="1600" dirty="0"/>
+              <a:t> </a:t>
+            </a:r>
+            <a:endParaRPr lang="en-US" altLang="ko-KR" sz="1600" dirty="0" smtClean="0"/>
+          </a:p>
+          <a:p>
+            <a:pPr marL="0" indent="0">
+              <a:buNone/>
+            </a:pPr>
+            <a:endParaRPr lang="en-US" altLang="ko-KR" sz="1600" dirty="0"/>
+          </a:p>
+          <a:p>
+            <a:pPr marL="0" indent="0">
+              <a:buNone/>
+            </a:pPr>
+            <a:r>
+              <a:rPr lang="en-US" altLang="ko-KR" sz="1600" dirty="0" smtClean="0"/>
+              <a:t>1</a:t>
+            </a:r>
+            <a:r>
+              <a:rPr lang="ko-KR" altLang="en-US" sz="1600" dirty="0" smtClean="0"/>
+              <a:t>학년</a:t>
+            </a:r>
+            <a:endParaRPr lang="en-US" altLang="ko-KR" sz="1600" dirty="0" smtClean="0"/>
+          </a:p>
+          <a:p>
+            <a:pPr marL="0" indent="0">
+              <a:buNone/>
+            </a:pPr>
+            <a:r>
+              <a:rPr lang="en-US" altLang="ko-KR" sz="1600" dirty="0"/>
+              <a:t> </a:t>
+            </a:r>
+            <a:r>
+              <a:rPr lang="ko-KR" altLang="en-US" sz="1600" dirty="0" smtClean="0"/>
+              <a:t>안성진 </a:t>
+            </a:r>
+            <a:r>
+              <a:rPr lang="en-US" altLang="ko-KR" sz="1600" dirty="0" smtClean="0"/>
+              <a:t>– </a:t>
+            </a:r>
+            <a:r>
+              <a:rPr lang="ko-KR" altLang="en-US" sz="1600" dirty="0" err="1" smtClean="0"/>
+              <a:t>팬게임</a:t>
+            </a:r>
+            <a:r>
+              <a:rPr lang="en-US" altLang="ko-KR" sz="1600" dirty="0" smtClean="0"/>
+              <a:t>, </a:t>
+            </a:r>
+            <a:r>
+              <a:rPr lang="ko-KR" altLang="en-US" sz="1600" dirty="0" err="1" smtClean="0"/>
+              <a:t>스텍</a:t>
+            </a:r>
+            <a:endParaRPr lang="en-US" altLang="ko-KR" sz="1600" dirty="0" smtClean="0"/>
+          </a:p>
+          <a:p>
+            <a:pPr marL="0" indent="0">
+              <a:buNone/>
+            </a:pPr>
+            <a:endParaRPr lang="en-US" altLang="ko-KR" sz="1600" dirty="0" smtClean="0"/>
+          </a:p>
+          <a:p>
+            <a:pPr marL="0" indent="0">
+              <a:buNone/>
+            </a:pPr>
+            <a:endParaRPr lang="en-US" altLang="ko-KR" sz="1600" dirty="0"/>
+          </a:p>
+          <a:p>
+            <a:pPr marL="0" indent="0">
+              <a:buNone/>
+            </a:pPr>
+            <a:endParaRPr lang="en-US" altLang="ko-KR" sz="1600" dirty="0" smtClean="0"/>
+          </a:p>
+          <a:p>
+            <a:pPr marL="0" indent="0">
+              <a:buNone/>
+            </a:pPr>
+            <a:endParaRPr lang="ko-KR" altLang="en-US" sz="1600" dirty="0"/>
+          </a:p>
+        </p:txBody>
+      </p:sp>
+      <p:sp>
+        <p:nvSpPr>
+          <p:cNvPr id="4" name="내용 개체 틀 2">
+            <a:extLst>
+              <a:ext uri="{FF2B5EF4-FFF2-40B4-BE49-F238E27FC236}">
+                <a16:creationId xmlns:a16="http://schemas.microsoft.com/office/drawing/2014/main" id="{64B84BBC-2FA0-4171-BFBE-7C36D6F8D218}"/>
+              </a:ext>
+            </a:extLst>
+          </p:cNvPr>
+          <p:cNvSpPr txBox="1">
+            <a:spLocks/>
+          </p:cNvSpPr>
+          <p:nvPr/>
+        </p:nvSpPr>
+        <p:spPr>
+          <a:xfrm>
+            <a:off x="6096000" y="1416050"/>
+            <a:ext cx="10515600" cy="4351338"/>
+          </a:xfrm>
+          <a:prstGeom prst="rect">
+            <a:avLst/>
+          </a:prstGeom>
+        </p:spPr>
+        <p:txBody>
+          <a:bodyPr vert="horz" lIns="91440" tIns="45720" rIns="91440" bIns="45720" rtlCol="0">
+            <a:noAutofit/>
+          </a:bodyPr>
+          <a:lstStyle>
+            <a:lvl1pPr marL="228600" indent="-228600" algn="l" defTabSz="914400" rtl="0" eaLnBrk="1" latinLnBrk="1" hangingPunct="1">
+              <a:lnSpc>
+                <a:spcPct val="90000"/>
+              </a:lnSpc>
+              <a:spcBef>
+                <a:spcPts val="1000"/>
+              </a:spcBef>
+              <a:buFont typeface="Arial" panose="020B0604020202020204" pitchFamily="34" charset="0"/>
+              <a:buChar char="•"/>
+              <a:defRPr sz="2800" kern="1200">
+                <a:solidFill>
+                  <a:schemeClr val="tx1"/>
+                </a:solidFill>
+                <a:latin typeface="+mn-lt"/>
+                <a:ea typeface="+mn-ea"/>
+                <a:cs typeface="+mn-cs"/>
+              </a:defRPr>
+            </a:lvl1pPr>
+            <a:lvl2pPr marL="685800" indent="-228600" algn="l" defTabSz="914400" rtl="0" eaLnBrk="1" latinLnBrk="1" hangingPunct="1">
+              <a:lnSpc>
+                <a:spcPct val="90000"/>
+              </a:lnSpc>
+              <a:spcBef>
+                <a:spcPts val="500"/>
+              </a:spcBef>
+              <a:buFont typeface="Arial" panose="020B0604020202020204" pitchFamily="34" charset="0"/>
+              <a:buChar char="•"/>
+              <a:defRPr sz="2400" kern="1200">
+                <a:solidFill>
+                  <a:schemeClr val="tx1"/>
+                </a:solidFill>
+                <a:latin typeface="+mn-lt"/>
+                <a:ea typeface="+mn-ea"/>
+                <a:cs typeface="+mn-cs"/>
+              </a:defRPr>
+            </a:lvl2pPr>
+            <a:lvl3pPr marL="1143000" indent="-228600" algn="l" defTabSz="914400" rtl="0" eaLnBrk="1" latinLnBrk="1" hangingPunct="1">
+              <a:lnSpc>
+                <a:spcPct val="90000"/>
+              </a:lnSpc>
+              <a:spcBef>
+                <a:spcPts val="500"/>
+              </a:spcBef>
+              <a:buFont typeface="Arial" panose="020B0604020202020204" pitchFamily="34" charset="0"/>
+              <a:buChar char="•"/>
+              <a:defRPr sz="2000" kern="1200">
+                <a:solidFill>
+                  <a:schemeClr val="tx1"/>
+                </a:solidFill>
+                <a:latin typeface="+mn-lt"/>
+                <a:ea typeface="+mn-ea"/>
+                <a:cs typeface="+mn-cs"/>
+              </a:defRPr>
+            </a:lvl3pPr>
+            <a:lvl4pPr marL="1600200" indent="-228600" algn="l" defTabSz="914400" rtl="0" eaLnBrk="1" latinLnBrk="1" hangingPunct="1">
+              <a:lnSpc>
+                <a:spcPct val="90000"/>
+              </a:lnSpc>
+              <a:spcBef>
+                <a:spcPts val="500"/>
+              </a:spcBef>
+              <a:buFont typeface="Arial" panose="020B0604020202020204" pitchFamily="34" charset="0"/>
+              <a:buChar char="•"/>
+              <a:defRPr sz="1800" kern="1200">
+                <a:solidFill>
+                  <a:schemeClr val="tx1"/>
+                </a:solidFill>
+                <a:latin typeface="+mn-lt"/>
+                <a:ea typeface="+mn-ea"/>
+                <a:cs typeface="+mn-cs"/>
+              </a:defRPr>
+            </a:lvl4pPr>
+            <a:lvl5pPr marL="2057400" indent="-228600" algn="l" defTabSz="914400" rtl="0" eaLnBrk="1" latinLnBrk="1" hangingPunct="1">
+              <a:lnSpc>
+                <a:spcPct val="90000"/>
+              </a:lnSpc>
+              <a:spcBef>
+                <a:spcPts val="500"/>
+              </a:spcBef>
+              <a:buFont typeface="Arial" panose="020B0604020202020204" pitchFamily="34" charset="0"/>
+              <a:buChar char="•"/>
+              <a:defRPr sz="1800" kern="1200">
+                <a:solidFill>
+                  <a:schemeClr val="tx1"/>
+                </a:solidFill>
+                <a:latin typeface="+mn-lt"/>
+                <a:ea typeface="+mn-ea"/>
+                <a:cs typeface="+mn-cs"/>
+              </a:defRPr>
+            </a:lvl5pPr>
+            <a:lvl6pPr marL="2514600" indent="-228600" algn="l" defTabSz="914400" rtl="0" eaLnBrk="1" latinLnBrk="1" hangingPunct="1">
+              <a:lnSpc>
+                <a:spcPct val="90000"/>
+              </a:lnSpc>
+              <a:spcBef>
+                <a:spcPts val="500"/>
+              </a:spcBef>
+              <a:buFont typeface="Arial" panose="020B0604020202020204" pitchFamily="34" charset="0"/>
+              <a:buChar char="•"/>
+              <a:defRPr sz="1800" kern="1200">
+                <a:solidFill>
+                  <a:schemeClr val="tx1"/>
+                </a:solidFill>
+                <a:latin typeface="+mn-lt"/>
+                <a:ea typeface="+mn-ea"/>
+                <a:cs typeface="+mn-cs"/>
+              </a:defRPr>
+            </a:lvl6pPr>
+            <a:lvl7pPr marL="2971800" indent="-228600" algn="l" defTabSz="914400" rtl="0" eaLnBrk="1" latinLnBrk="1" hangingPunct="1">
+              <a:lnSpc>
+                <a:spcPct val="90000"/>
+              </a:lnSpc>
+              <a:spcBef>
+                <a:spcPts val="500"/>
+              </a:spcBef>
+              <a:buFont typeface="Arial" panose="020B0604020202020204" pitchFamily="34" charset="0"/>
+              <a:buChar char="•"/>
+              <a:defRPr sz="1800" kern="1200">
+                <a:solidFill>
+                  <a:schemeClr val="tx1"/>
+                </a:solidFill>
+                <a:latin typeface="+mn-lt"/>
+                <a:ea typeface="+mn-ea"/>
+                <a:cs typeface="+mn-cs"/>
+              </a:defRPr>
+            </a:lvl7pPr>
+            <a:lvl8pPr marL="3429000" indent="-228600" algn="l" defTabSz="914400" rtl="0" eaLnBrk="1" latinLnBrk="1" hangingPunct="1">
+              <a:lnSpc>
+                <a:spcPct val="90000"/>
+              </a:lnSpc>
+              <a:spcBef>
+                <a:spcPts val="500"/>
+              </a:spcBef>
+              <a:buFont typeface="Arial" panose="020B0604020202020204" pitchFamily="34" charset="0"/>
+              <a:buChar char="•"/>
+              <a:defRPr sz="1800" kern="1200">
+                <a:solidFill>
+                  <a:schemeClr val="tx1"/>
+                </a:solidFill>
+                <a:latin typeface="+mn-lt"/>
+                <a:ea typeface="+mn-ea"/>
+                <a:cs typeface="+mn-cs"/>
+              </a:defRPr>
+            </a:lvl8pPr>
+            <a:lvl9pPr marL="3886200" indent="-228600" algn="l" defTabSz="914400" rtl="0" eaLnBrk="1" latinLnBrk="1" hangingPunct="1">
+              <a:lnSpc>
+                <a:spcPct val="90000"/>
+              </a:lnSpc>
+              <a:spcBef>
+                <a:spcPts val="500"/>
+              </a:spcBef>
+              <a:buFont typeface="Arial" panose="020B0604020202020204" pitchFamily="34" charset="0"/>
+              <a:buChar char="•"/>
+              <a:defRPr sz="1800" kern="1200">
+                <a:solidFill>
+                  <a:schemeClr val="tx1"/>
+                </a:solidFill>
+                <a:latin typeface="+mn-lt"/>
+                <a:ea typeface="+mn-ea"/>
+                <a:cs typeface="+mn-cs"/>
+              </a:defRPr>
+            </a:lvl9pPr>
+          </a:lstStyle>
+          <a:p>
+            <a:pPr marL="0" indent="0">
+              <a:buFont typeface="Arial" panose="020B0604020202020204" pitchFamily="34" charset="0"/>
+              <a:buNone/>
+            </a:pPr>
+            <a:endParaRPr lang="en-US" altLang="ko-KR" sz="1600" dirty="0" smtClean="0"/>
+          </a:p>
+          <a:p>
+            <a:pPr marL="0" indent="0">
+              <a:buFont typeface="Arial" panose="020B0604020202020204" pitchFamily="34" charset="0"/>
+              <a:buNone/>
+            </a:pPr>
+            <a:r>
+              <a:rPr lang="ko-KR" altLang="en-US" sz="1600" dirty="0" smtClean="0"/>
+              <a:t>개발 </a:t>
+            </a:r>
+            <a:r>
+              <a:rPr lang="ko-KR" altLang="en-US" sz="1600" dirty="0" err="1" smtClean="0"/>
+              <a:t>필요인원</a:t>
+            </a:r>
+            <a:endParaRPr lang="en-US" altLang="ko-KR" sz="1600" dirty="0" smtClean="0"/>
+          </a:p>
+          <a:p>
+            <a:pPr marL="0" indent="0">
+              <a:buFont typeface="Arial" panose="020B0604020202020204" pitchFamily="34" charset="0"/>
+              <a:buNone/>
+            </a:pPr>
+            <a:r>
+              <a:rPr lang="en-US" altLang="ko-KR" sz="1600" dirty="0" smtClean="0"/>
+              <a:t>1</a:t>
+            </a:r>
+            <a:r>
+              <a:rPr lang="ko-KR" altLang="en-US" sz="1600" dirty="0" smtClean="0"/>
+              <a:t>학년 나머지 </a:t>
+            </a:r>
+            <a:r>
+              <a:rPr lang="en-US" altLang="ko-KR" sz="1600" dirty="0" smtClean="0"/>
+              <a:t>(</a:t>
+            </a:r>
+            <a:r>
+              <a:rPr lang="ko-KR" altLang="en-US" sz="1600" dirty="0" smtClean="0"/>
+              <a:t>성진 제외</a:t>
+            </a:r>
+            <a:endParaRPr lang="en-US" altLang="ko-KR" sz="1600" dirty="0" smtClean="0"/>
+          </a:p>
+          <a:p>
+            <a:pPr marL="0" indent="0">
+              <a:buFont typeface="Arial" panose="020B0604020202020204" pitchFamily="34" charset="0"/>
+              <a:buNone/>
+            </a:pPr>
+            <a:r>
+              <a:rPr lang="en-US" altLang="ko-KR" sz="1600" dirty="0" smtClean="0"/>
+              <a:t>2</a:t>
+            </a:r>
+            <a:r>
+              <a:rPr lang="ko-KR" altLang="en-US" sz="1600" dirty="0" smtClean="0"/>
+              <a:t>학년 영민</a:t>
+            </a:r>
+            <a:r>
+              <a:rPr lang="en-US" altLang="ko-KR" sz="1600" dirty="0" smtClean="0"/>
+              <a:t>, </a:t>
+            </a:r>
+            <a:r>
+              <a:rPr lang="ko-KR" altLang="en-US" sz="1600" dirty="0" smtClean="0"/>
+              <a:t>진표</a:t>
+            </a:r>
+            <a:endParaRPr lang="en-US" altLang="ko-KR" sz="1600" dirty="0" smtClean="0"/>
+          </a:p>
+          <a:p>
+            <a:pPr marL="0" indent="0">
+              <a:buFont typeface="Arial" panose="020B0604020202020204" pitchFamily="34" charset="0"/>
+              <a:buNone/>
+            </a:pPr>
+            <a:r>
+              <a:rPr lang="en-US" altLang="ko-KR" sz="1600" dirty="0" smtClean="0"/>
+              <a:t>3</a:t>
+            </a:r>
+            <a:r>
+              <a:rPr lang="ko-KR" altLang="en-US" sz="1600" dirty="0" smtClean="0"/>
+              <a:t>학년 성중</a:t>
+            </a:r>
+            <a:endParaRPr lang="en-US" altLang="ko-KR" sz="1600" dirty="0" smtClean="0"/>
+          </a:p>
+          <a:p>
+            <a:pPr marL="0" indent="0">
+              <a:buFont typeface="Arial" panose="020B0604020202020204" pitchFamily="34" charset="0"/>
+              <a:buNone/>
+            </a:pPr>
+            <a:endParaRPr lang="en-US" altLang="ko-KR" sz="1600" dirty="0" smtClean="0"/>
+          </a:p>
+          <a:p>
+            <a:pPr marL="0" indent="0">
+              <a:buFont typeface="Arial" panose="020B0604020202020204" pitchFamily="34" charset="0"/>
+              <a:buNone/>
+            </a:pPr>
+            <a:r>
+              <a:rPr lang="en-US" altLang="ko-KR" sz="1600" dirty="0" smtClean="0"/>
+              <a:t>Unreal </a:t>
+            </a:r>
+            <a:r>
+              <a:rPr lang="en-US" altLang="ko-KR" sz="1600" dirty="0" err="1" smtClean="0"/>
+              <a:t>vr</a:t>
+            </a:r>
+            <a:r>
+              <a:rPr lang="en-US" altLang="ko-KR" sz="1600" dirty="0" smtClean="0"/>
+              <a:t> </a:t>
+            </a:r>
+            <a:r>
+              <a:rPr lang="ko-KR" altLang="en-US" sz="1600" dirty="0" smtClean="0"/>
+              <a:t>수업 </a:t>
+            </a:r>
+            <a:r>
+              <a:rPr lang="ko-KR" altLang="en-US" sz="1600" dirty="0" err="1" smtClean="0"/>
+              <a:t>받는사람</a:t>
+            </a:r>
+            <a:endParaRPr lang="en-US" altLang="ko-KR" sz="1600" dirty="0" smtClean="0"/>
+          </a:p>
+          <a:p>
+            <a:pPr marL="0" indent="0">
+              <a:buFont typeface="Arial" panose="020B0604020202020204" pitchFamily="34" charset="0"/>
+              <a:buNone/>
+            </a:pPr>
+            <a:r>
+              <a:rPr lang="ko-KR" altLang="en-US" sz="1600" dirty="0" smtClean="0"/>
+              <a:t>유영 남호 진서 </a:t>
+            </a:r>
+            <a:r>
+              <a:rPr lang="ko-KR" altLang="en-US" sz="1600" dirty="0" err="1" smtClean="0"/>
+              <a:t>이은혁</a:t>
+            </a:r>
+            <a:r>
+              <a:rPr lang="en-US" altLang="ko-KR" sz="1600" dirty="0" smtClean="0"/>
+              <a:t>(1</a:t>
+            </a:r>
+            <a:r>
+              <a:rPr lang="ko-KR" altLang="en-US" sz="1600" dirty="0" smtClean="0"/>
+              <a:t>학년</a:t>
+            </a:r>
+            <a:r>
+              <a:rPr lang="en-US" altLang="ko-KR" sz="1600" dirty="0" smtClean="0"/>
+              <a:t>)</a:t>
+            </a:r>
+          </a:p>
+          <a:p>
+            <a:pPr marL="0" indent="0">
+              <a:buFont typeface="Arial" panose="020B0604020202020204" pitchFamily="34" charset="0"/>
+              <a:buNone/>
+            </a:pPr>
+            <a:endParaRPr lang="en-US" altLang="ko-KR" sz="1600" dirty="0" smtClean="0"/>
+          </a:p>
+          <a:p>
+            <a:pPr marL="0" indent="0">
+              <a:buFont typeface="Arial" panose="020B0604020202020204" pitchFamily="34" charset="0"/>
+              <a:buNone/>
+            </a:pPr>
+            <a:endParaRPr lang="en-US" altLang="ko-KR" sz="1600" dirty="0" smtClean="0"/>
+          </a:p>
+          <a:p>
+            <a:pPr marL="0" indent="0">
+              <a:buFont typeface="Arial" panose="020B0604020202020204" pitchFamily="34" charset="0"/>
+              <a:buNone/>
+            </a:pPr>
+            <a:r>
+              <a:rPr lang="en-US" altLang="ko-KR" sz="1600" dirty="0" smtClean="0"/>
+              <a:t>15</a:t>
+            </a:r>
+            <a:r>
+              <a:rPr lang="ko-KR" altLang="en-US" sz="1600" dirty="0" smtClean="0"/>
+              <a:t>개 정도</a:t>
+            </a:r>
+            <a:r>
+              <a:rPr lang="en-US" altLang="ko-KR" sz="1600" dirty="0" smtClean="0"/>
+              <a:t>.</a:t>
+            </a:r>
+            <a:endParaRPr lang="ko-KR" altLang="en-US" sz="1600" dirty="0"/>
           </a:p>
         </p:txBody>
       </p:sp>
@@ -4041,6 +4729,13 @@
   <p:clrMapOvr>
     <a:masterClrMapping/>
   </p:clrMapOvr>
+  <p:timing>
+    <p:tnLst>
+      <p:par>
+        <p:cTn id="1" dur="indefinite" restart="never" nodeType="tmRoot"/>
+      </p:par>
+    </p:tnLst>
+  </p:timing>
 </p:sld>
 </file>
 
@@ -4115,7 +4810,206 @@
           <a:bodyPr/>
           <a:lstStyle/>
           <a:p>
-            <a:endParaRPr lang="ko-KR" altLang="en-US"/>
+            <a:r>
+              <a:rPr lang="ko-KR" altLang="en-US" dirty="0" smtClean="0"/>
+              <a:t>단체 게임 제작 </a:t>
+            </a:r>
+            <a:r>
+              <a:rPr lang="en-US" altLang="ko-KR" dirty="0" smtClean="0"/>
+              <a:t>(</a:t>
+            </a:r>
+            <a:r>
+              <a:rPr lang="ko-KR" altLang="en-US" dirty="0" smtClean="0"/>
+              <a:t>담당 승호 학교</a:t>
+            </a:r>
+            <a:r>
+              <a:rPr lang="en-US" altLang="ko-KR" dirty="0" smtClean="0"/>
+              <a:t>( </a:t>
+            </a:r>
+            <a:r>
+              <a:rPr lang="ko-KR" altLang="en-US" dirty="0" err="1" smtClean="0"/>
+              <a:t>유니티로</a:t>
+            </a:r>
+            <a:r>
+              <a:rPr lang="ko-KR" altLang="en-US" dirty="0" smtClean="0"/>
+              <a:t> 제작한 이력이 있음</a:t>
+            </a:r>
+            <a:r>
+              <a:rPr lang="en-US" altLang="ko-KR" dirty="0" smtClean="0"/>
+              <a:t>))</a:t>
+            </a:r>
+          </a:p>
+          <a:p>
+            <a:endParaRPr lang="en-US" altLang="ko-KR" dirty="0" smtClean="0"/>
+          </a:p>
+          <a:p>
+            <a:r>
+              <a:rPr lang="en-US" altLang="ko-KR" dirty="0" smtClean="0"/>
+              <a:t>3d </a:t>
+            </a:r>
+            <a:r>
+              <a:rPr lang="ko-KR" altLang="en-US" dirty="0" smtClean="0"/>
+              <a:t>학교에서 각자 미니게임 만들어서 맞는 장소에 배치</a:t>
+            </a:r>
+            <a:r>
+              <a:rPr lang="en-US" altLang="ko-KR" dirty="0" smtClean="0"/>
+              <a:t>.</a:t>
+            </a:r>
+          </a:p>
+          <a:p>
+            <a:pPr marL="0" indent="0">
+              <a:buNone/>
+            </a:pPr>
+            <a:r>
+              <a:rPr lang="en-US" altLang="ko-KR" dirty="0"/>
+              <a:t> </a:t>
+            </a:r>
+            <a:r>
+              <a:rPr lang="ko-KR" altLang="en-US" dirty="0" smtClean="0"/>
+              <a:t>ㄴ </a:t>
+            </a:r>
+            <a:r>
+              <a:rPr lang="en-US" altLang="ko-KR" dirty="0" smtClean="0"/>
+              <a:t>(</a:t>
+            </a:r>
+            <a:r>
+              <a:rPr lang="ko-KR" altLang="en-US" dirty="0" smtClean="0"/>
+              <a:t>미니게임 은 </a:t>
+            </a:r>
+            <a:r>
+              <a:rPr lang="en-US" altLang="ko-KR" dirty="0" smtClean="0"/>
+              <a:t>1</a:t>
+            </a:r>
+            <a:r>
+              <a:rPr lang="ko-KR" altLang="en-US" dirty="0" smtClean="0"/>
+              <a:t>학년</a:t>
+            </a:r>
+            <a:r>
+              <a:rPr lang="en-US" altLang="ko-KR" dirty="0" smtClean="0"/>
+              <a:t>)</a:t>
+            </a:r>
+            <a:r>
+              <a:rPr lang="ko-KR" altLang="en-US" dirty="0" smtClean="0"/>
+              <a:t> </a:t>
+            </a:r>
+            <a:r>
+              <a:rPr lang="en-US" altLang="ko-KR" dirty="0" smtClean="0"/>
+              <a:t>(</a:t>
+            </a:r>
+            <a:r>
+              <a:rPr lang="ko-KR" altLang="en-US" dirty="0" smtClean="0"/>
+              <a:t>학교 </a:t>
+            </a:r>
+            <a:r>
+              <a:rPr lang="en-US" altLang="ko-KR" dirty="0" smtClean="0"/>
+              <a:t>3,2</a:t>
+            </a:r>
+            <a:r>
+              <a:rPr lang="ko-KR" altLang="en-US" dirty="0" err="1" smtClean="0"/>
+              <a:t>학견</a:t>
+            </a:r>
+            <a:r>
+              <a:rPr lang="ko-KR" altLang="en-US" dirty="0" smtClean="0"/>
+              <a:t> 제작</a:t>
+            </a:r>
+            <a:r>
+              <a:rPr lang="en-US" altLang="ko-KR" dirty="0" smtClean="0"/>
+              <a:t>)</a:t>
+            </a:r>
+          </a:p>
+          <a:p>
+            <a:pPr marL="0" indent="0">
+              <a:buNone/>
+            </a:pPr>
+            <a:endParaRPr lang="en-US" altLang="ko-KR" dirty="0" smtClean="0"/>
+          </a:p>
+          <a:p>
+            <a:pPr marL="0" indent="0">
+              <a:buNone/>
+            </a:pPr>
+            <a:r>
+              <a:rPr lang="ko-KR" altLang="en-US" dirty="0" err="1" smtClean="0"/>
+              <a:t>유니티</a:t>
+            </a:r>
+            <a:r>
+              <a:rPr lang="ko-KR" altLang="en-US" dirty="0" smtClean="0"/>
+              <a:t> 다수</a:t>
+            </a:r>
+            <a:r>
+              <a:rPr lang="ko-KR" altLang="en-US" dirty="0"/>
+              <a:t> </a:t>
+            </a:r>
+            <a:r>
+              <a:rPr lang="en-US" altLang="ko-KR" dirty="0" smtClean="0"/>
+              <a:t>– 2</a:t>
+            </a:r>
+            <a:r>
+              <a:rPr lang="ko-KR" altLang="en-US" dirty="0" smtClean="0"/>
+              <a:t>학년 </a:t>
+            </a:r>
+            <a:r>
+              <a:rPr lang="en-US" altLang="ko-KR" dirty="0" smtClean="0"/>
+              <a:t>or </a:t>
+            </a:r>
+            <a:r>
+              <a:rPr lang="ko-KR" altLang="en-US" dirty="0" smtClean="0"/>
+              <a:t>승호</a:t>
+            </a:r>
+            <a:r>
+              <a:rPr lang="en-US" altLang="ko-KR" dirty="0" smtClean="0"/>
+              <a:t>[</a:t>
+            </a:r>
+            <a:r>
+              <a:rPr lang="ko-KR" altLang="en-US" dirty="0" smtClean="0"/>
+              <a:t>기</a:t>
+            </a:r>
+            <a:r>
+              <a:rPr lang="en-US" altLang="ko-KR" dirty="0" smtClean="0"/>
+              <a:t>,</a:t>
+            </a:r>
+            <a:r>
+              <a:rPr lang="ko-KR" altLang="en-US" dirty="0" err="1" smtClean="0"/>
+              <a:t>프밍</a:t>
+            </a:r>
+            <a:r>
+              <a:rPr lang="en-US" altLang="ko-KR" dirty="0" smtClean="0"/>
+              <a:t>]</a:t>
+            </a:r>
+            <a:r>
+              <a:rPr lang="ko-KR" altLang="en-US" dirty="0" smtClean="0"/>
+              <a:t> </a:t>
+            </a:r>
+            <a:r>
+              <a:rPr lang="en-US" altLang="ko-KR" dirty="0" smtClean="0"/>
+              <a:t>pc </a:t>
+            </a:r>
+            <a:r>
+              <a:rPr lang="ko-KR" altLang="en-US" dirty="0" smtClean="0"/>
+              <a:t>제작</a:t>
+            </a:r>
+            <a:endParaRPr lang="en-US" altLang="ko-KR" dirty="0" smtClean="0"/>
+          </a:p>
+          <a:p>
+            <a:pPr marL="0" indent="0">
+              <a:buNone/>
+            </a:pPr>
+            <a:r>
+              <a:rPr lang="en-US" altLang="ko-KR" dirty="0" smtClean="0"/>
+              <a:t>2019 </a:t>
+            </a:r>
+            <a:r>
+              <a:rPr lang="en-US" altLang="ko-KR" dirty="0" err="1" smtClean="0"/>
+              <a:t>lts</a:t>
+            </a:r>
+            <a:r>
+              <a:rPr lang="en-US" altLang="ko-KR" dirty="0" smtClean="0"/>
+              <a:t> / 2020 </a:t>
+            </a:r>
+            <a:r>
+              <a:rPr lang="en-US" altLang="ko-KR" dirty="0" err="1" smtClean="0"/>
+              <a:t>lts</a:t>
+            </a:r>
+            <a:endParaRPr lang="en-US" altLang="ko-KR" dirty="0" smtClean="0"/>
           </a:p>
         </p:txBody>
       </p:sp>
@@ -4129,6 +5023,13 @@
   <p:clrMapOvr>
     <a:masterClrMapping/>
   </p:clrMapOvr>
+  <p:timing>
+    <p:tnLst>
+      <p:par>
+        <p:cTn id="1" dur="indefinite" restart="never" nodeType="tmRoot"/>
+      </p:par>
+    </p:tnLst>
+  </p:timing>
 </p:sld>
 </file>
 
